--- a/Fiber_Group_Presenetation_DRAFT.pptx
+++ b/Fiber_Group_Presenetation_DRAFT.pptx
@@ -5,25 +5,29 @@
     <p:sldMasterId id="2147483648" r:id="rId4"/>
   </p:sldMasterIdLst>
   <p:notesMasterIdLst>
-    <p:notesMasterId r:id="rId15"/>
+    <p:notesMasterId r:id="rId19"/>
   </p:notesMasterIdLst>
   <p:handoutMasterIdLst>
-    <p:handoutMasterId r:id="rId16"/>
+    <p:handoutMasterId r:id="rId20"/>
   </p:handoutMasterIdLst>
   <p:sldIdLst>
     <p:sldId id="256" r:id="rId5"/>
     <p:sldId id="257" r:id="rId6"/>
     <p:sldId id="270" r:id="rId7"/>
     <p:sldId id="271" r:id="rId8"/>
-    <p:sldId id="258" r:id="rId9"/>
-    <p:sldId id="259" r:id="rId10"/>
-    <p:sldId id="260" r:id="rId11"/>
-    <p:sldId id="272" r:id="rId12"/>
-    <p:sldId id="266" r:id="rId13"/>
-    <p:sldId id="265" r:id="rId14"/>
+    <p:sldId id="273" r:id="rId9"/>
+    <p:sldId id="258" r:id="rId10"/>
+    <p:sldId id="274" r:id="rId11"/>
+    <p:sldId id="275" r:id="rId12"/>
+    <p:sldId id="259" r:id="rId13"/>
+    <p:sldId id="277" r:id="rId14"/>
+    <p:sldId id="260" r:id="rId15"/>
+    <p:sldId id="272" r:id="rId16"/>
+    <p:sldId id="266" r:id="rId17"/>
+    <p:sldId id="265" r:id="rId18"/>
   </p:sldIdLst>
   <p:sldSz cx="12192000" cy="6858000"/>
-  <p:notesSz cx="6858000" cy="9144000"/>
+  <p:notesSz cx="7102475" cy="9388475"/>
   <p:defaultTextStyle>
     <a:defPPr>
       <a:defRPr lang="en-US"/>
@@ -1255,14 +1259,14 @@
         <p:spPr>
           <a:xfrm>
             <a:off x="0" y="0"/>
-            <a:ext cx="2971800" cy="458788"/>
+            <a:ext cx="3077739" cy="471054"/>
           </a:xfrm>
           <a:prstGeom prst="rect">
             <a:avLst/>
           </a:prstGeom>
         </p:spPr>
         <p:txBody>
-          <a:bodyPr vert="horz" lIns="91440" tIns="45720" rIns="91440" bIns="45720" rtlCol="0"/>
+          <a:bodyPr vert="horz" lIns="94229" tIns="47114" rIns="94229" bIns="47114" rtlCol="0"/>
           <a:lstStyle>
             <a:lvl1pPr algn="l">
               <a:defRPr sz="1200"/>
@@ -1285,15 +1289,15 @@
         </p:nvSpPr>
         <p:spPr>
           <a:xfrm>
-            <a:off x="3884613" y="0"/>
-            <a:ext cx="2971800" cy="458788"/>
+            <a:off x="4023092" y="0"/>
+            <a:ext cx="3077739" cy="471054"/>
           </a:xfrm>
           <a:prstGeom prst="rect">
             <a:avLst/>
           </a:prstGeom>
         </p:spPr>
         <p:txBody>
-          <a:bodyPr vert="horz" lIns="91440" tIns="45720" rIns="91440" bIns="45720" rtlCol="0"/>
+          <a:bodyPr vert="horz" lIns="94229" tIns="47114" rIns="94229" bIns="47114" rtlCol="0"/>
           <a:lstStyle>
             <a:lvl1pPr algn="r">
               <a:defRPr sz="1200"/>
@@ -1320,15 +1324,15 @@
         </p:nvSpPr>
         <p:spPr>
           <a:xfrm>
-            <a:off x="0" y="8685213"/>
-            <a:ext cx="2971800" cy="458787"/>
+            <a:off x="0" y="8917422"/>
+            <a:ext cx="3077739" cy="471053"/>
           </a:xfrm>
           <a:prstGeom prst="rect">
             <a:avLst/>
           </a:prstGeom>
         </p:spPr>
         <p:txBody>
-          <a:bodyPr vert="horz" lIns="91440" tIns="45720" rIns="91440" bIns="45720" rtlCol="0" anchor="b"/>
+          <a:bodyPr vert="horz" lIns="94229" tIns="47114" rIns="94229" bIns="47114" rtlCol="0" anchor="b"/>
           <a:lstStyle>
             <a:lvl1pPr algn="l">
               <a:defRPr sz="1200"/>
@@ -1351,15 +1355,15 @@
         </p:nvSpPr>
         <p:spPr>
           <a:xfrm>
-            <a:off x="3884613" y="8685213"/>
-            <a:ext cx="2971800" cy="458787"/>
+            <a:off x="4023092" y="8917422"/>
+            <a:ext cx="3077739" cy="471053"/>
           </a:xfrm>
           <a:prstGeom prst="rect">
             <a:avLst/>
           </a:prstGeom>
         </p:spPr>
         <p:txBody>
-          <a:bodyPr vert="horz" lIns="91440" tIns="45720" rIns="91440" bIns="45720" rtlCol="0" anchor="b"/>
+          <a:bodyPr vert="horz" lIns="94229" tIns="47114" rIns="94229" bIns="47114" rtlCol="0" anchor="b"/>
           <a:lstStyle>
             <a:lvl1pPr algn="r">
               <a:defRPr sz="1200"/>
@@ -1420,14 +1424,14 @@
         <p:spPr>
           <a:xfrm>
             <a:off x="0" y="0"/>
-            <a:ext cx="2971800" cy="458788"/>
+            <a:ext cx="3077739" cy="471054"/>
           </a:xfrm>
           <a:prstGeom prst="rect">
             <a:avLst/>
           </a:prstGeom>
         </p:spPr>
         <p:txBody>
-          <a:bodyPr vert="horz" lIns="91440" tIns="45720" rIns="91440" bIns="45720" rtlCol="0"/>
+          <a:bodyPr vert="horz" lIns="94229" tIns="47114" rIns="94229" bIns="47114" rtlCol="0"/>
           <a:lstStyle>
             <a:lvl1pPr algn="l">
               <a:defRPr sz="1200"/>
@@ -1450,15 +1454,15 @@
         </p:nvSpPr>
         <p:spPr>
           <a:xfrm>
-            <a:off x="3884613" y="0"/>
-            <a:ext cx="2971800" cy="458788"/>
+            <a:off x="4023092" y="0"/>
+            <a:ext cx="3077739" cy="471054"/>
           </a:xfrm>
           <a:prstGeom prst="rect">
             <a:avLst/>
           </a:prstGeom>
         </p:spPr>
         <p:txBody>
-          <a:bodyPr vert="horz" lIns="91440" tIns="45720" rIns="91440" bIns="45720" rtlCol="0"/>
+          <a:bodyPr vert="horz" lIns="94229" tIns="47114" rIns="94229" bIns="47114" rtlCol="0"/>
           <a:lstStyle>
             <a:lvl1pPr algn="r">
               <a:defRPr sz="1200"/>
@@ -1485,8 +1489,8 @@
         </p:nvSpPr>
         <p:spPr>
           <a:xfrm>
-            <a:off x="685800" y="1143000"/>
-            <a:ext cx="5486400" cy="3086100"/>
+            <a:off x="735013" y="1173163"/>
+            <a:ext cx="5632450" cy="3168650"/>
           </a:xfrm>
           <a:prstGeom prst="rect">
             <a:avLst/>
@@ -1499,7 +1503,7 @@
           </a:ln>
         </p:spPr>
         <p:txBody>
-          <a:bodyPr vert="horz" lIns="91440" tIns="45720" rIns="91440" bIns="45720" rtlCol="0" anchor="ctr"/>
+          <a:bodyPr vert="horz" lIns="94229" tIns="47114" rIns="94229" bIns="47114" rtlCol="0" anchor="ctr"/>
           <a:lstStyle/>
           <a:p>
             <a:endParaRPr/>
@@ -1518,15 +1522,15 @@
         </p:nvSpPr>
         <p:spPr>
           <a:xfrm>
-            <a:off x="685800" y="4400550"/>
-            <a:ext cx="5486400" cy="3600450"/>
+            <a:off x="710248" y="4518204"/>
+            <a:ext cx="5681980" cy="3696712"/>
           </a:xfrm>
           <a:prstGeom prst="rect">
             <a:avLst/>
           </a:prstGeom>
         </p:spPr>
         <p:txBody>
-          <a:bodyPr vert="horz" lIns="91440" tIns="45720" rIns="91440" bIns="45720" rtlCol="0"/>
+          <a:bodyPr vert="horz" lIns="94229" tIns="47114" rIns="94229" bIns="47114" rtlCol="0"/>
           <a:lstStyle/>
           <a:p>
             <a:pPr lvl="0"/>
@@ -1572,15 +1576,15 @@
         </p:nvSpPr>
         <p:spPr>
           <a:xfrm>
-            <a:off x="0" y="8685213"/>
-            <a:ext cx="2971800" cy="458787"/>
+            <a:off x="0" y="8917422"/>
+            <a:ext cx="3077739" cy="471053"/>
           </a:xfrm>
           <a:prstGeom prst="rect">
             <a:avLst/>
           </a:prstGeom>
         </p:spPr>
         <p:txBody>
-          <a:bodyPr vert="horz" lIns="91440" tIns="45720" rIns="91440" bIns="45720" rtlCol="0" anchor="b"/>
+          <a:bodyPr vert="horz" lIns="94229" tIns="47114" rIns="94229" bIns="47114" rtlCol="0" anchor="b"/>
           <a:lstStyle>
             <a:lvl1pPr algn="l">
               <a:defRPr sz="1200"/>
@@ -1603,15 +1607,15 @@
         </p:nvSpPr>
         <p:spPr>
           <a:xfrm>
-            <a:off x="3884613" y="8685213"/>
-            <a:ext cx="2971800" cy="458787"/>
+            <a:off x="4023092" y="8917422"/>
+            <a:ext cx="3077739" cy="471053"/>
           </a:xfrm>
           <a:prstGeom prst="rect">
             <a:avLst/>
           </a:prstGeom>
         </p:spPr>
         <p:txBody>
-          <a:bodyPr vert="horz" lIns="91440" tIns="45720" rIns="91440" bIns="45720" rtlCol="0" anchor="b"/>
+          <a:bodyPr vert="horz" lIns="94229" tIns="47114" rIns="94229" bIns="47114" rtlCol="0" anchor="b"/>
           <a:lstStyle>
             <a:lvl1pPr algn="r">
               <a:defRPr sz="1200"/>
@@ -6232,6 +6236,391 @@
       </p:grpSpPr>
       <p:sp>
         <p:nvSpPr>
+          <p:cNvPr id="2" name="Title 1">
+            <a:extLst>
+              <a:ext uri="{FF2B5EF4-FFF2-40B4-BE49-F238E27FC236}">
+                <a16:creationId xmlns:a16="http://schemas.microsoft.com/office/drawing/2014/main" id="{03008605-DDA6-4C0D-B5A0-FC6577C3C196}"/>
+              </a:ext>
+            </a:extLst>
+          </p:cNvPr>
+          <p:cNvSpPr>
+            <a:spLocks noGrp="1"/>
+          </p:cNvSpPr>
+          <p:nvPr>
+            <p:ph type="title"/>
+          </p:nvPr>
+        </p:nvSpPr>
+        <p:spPr/>
+        <p:txBody>
+          <a:bodyPr>
+            <a:normAutofit/>
+          </a:bodyPr>
+          <a:lstStyle/>
+          <a:p>
+            <a:pPr algn="ctr"/>
+            <a:r>
+              <a:rPr lang="en-US" sz="2400" dirty="0"/>
+              <a:t>Average  Download Speed and Avg Cost per Download Mbps by City </a:t>
+            </a:r>
+          </a:p>
+        </p:txBody>
+      </p:sp>
+      <p:pic>
+        <p:nvPicPr>
+          <p:cNvPr id="5" name="Content Placeholder 2">
+            <a:extLst>
+              <a:ext uri="{FF2B5EF4-FFF2-40B4-BE49-F238E27FC236}">
+                <a16:creationId xmlns:a16="http://schemas.microsoft.com/office/drawing/2014/main" id="{C52AADAF-FB7F-4DFB-8140-5C7EE14B85F8}"/>
+              </a:ext>
+            </a:extLst>
+          </p:cNvPr>
+          <p:cNvPicPr>
+            <a:picLocks noChangeAspect="1"/>
+          </p:cNvPicPr>
+          <p:nvPr/>
+        </p:nvPicPr>
+        <p:blipFill>
+          <a:blip r:embed="rId2"/>
+          <a:stretch>
+            <a:fillRect/>
+          </a:stretch>
+        </p:blipFill>
+        <p:spPr>
+          <a:xfrm>
+            <a:off x="1870745" y="1435489"/>
+            <a:ext cx="8405267" cy="4974546"/>
+          </a:xfrm>
+          <a:prstGeom prst="rect">
+            <a:avLst/>
+          </a:prstGeom>
+        </p:spPr>
+      </p:pic>
+    </p:spTree>
+    <p:extLst>
+      <p:ext uri="{BB962C8B-B14F-4D97-AF65-F5344CB8AC3E}">
+        <p14:creationId xmlns:p14="http://schemas.microsoft.com/office/powerpoint/2010/main" val="1436573505"/>
+      </p:ext>
+    </p:extLst>
+  </p:cSld>
+  <p:clrMapOvr>
+    <a:masterClrMapping/>
+  </p:clrMapOvr>
+  <mc:AlternateContent xmlns:mc="http://schemas.openxmlformats.org/markup-compatibility/2006" xmlns:p14="http://schemas.microsoft.com/office/powerpoint/2010/main">
+    <mc:Choice Requires="p14">
+      <p:transition spd="med" p14:dur="700">
+        <p:fade/>
+      </p:transition>
+    </mc:Choice>
+    <mc:Fallback xmlns="">
+      <p:transition spd="med">
+        <p:fade/>
+      </p:transition>
+    </mc:Fallback>
+  </mc:AlternateContent>
+</p:sld>
+</file>
+
+<file path=ppt/slides/slide11.xml><?xml version="1.0" encoding="utf-8"?>
+<p:sld xmlns:a="http://schemas.openxmlformats.org/drawingml/2006/main" xmlns:r="http://schemas.openxmlformats.org/officeDocument/2006/relationships" xmlns:p="http://schemas.openxmlformats.org/presentationml/2006/main">
+  <p:cSld>
+    <p:spTree>
+      <p:nvGrpSpPr>
+        <p:cNvPr id="1" name=""/>
+        <p:cNvGrpSpPr/>
+        <p:nvPr/>
+      </p:nvGrpSpPr>
+      <p:grpSpPr>
+        <a:xfrm>
+          <a:off x="0" y="0"/>
+          <a:ext cx="0" cy="0"/>
+          <a:chOff x="0" y="0"/>
+          <a:chExt cx="0" cy="0"/>
+        </a:xfrm>
+      </p:grpSpPr>
+      <p:sp>
+        <p:nvSpPr>
+          <p:cNvPr id="2" name="Title 1"/>
+          <p:cNvSpPr>
+            <a:spLocks noGrp="1"/>
+          </p:cNvSpPr>
+          <p:nvPr>
+            <p:ph type="title"/>
+          </p:nvPr>
+        </p:nvSpPr>
+        <p:spPr/>
+        <p:txBody>
+          <a:bodyPr/>
+          <a:lstStyle/>
+          <a:p>
+            <a:r>
+              <a:rPr lang="en-US" dirty="0"/>
+              <a:t>Cellular and Fixed Broadband Infrastructure</a:t>
+            </a:r>
+          </a:p>
+        </p:txBody>
+      </p:sp>
+      <p:sp>
+        <p:nvSpPr>
+          <p:cNvPr id="6" name="Content Placeholder 5">
+            <a:extLst>
+              <a:ext uri="{FF2B5EF4-FFF2-40B4-BE49-F238E27FC236}">
+                <a16:creationId xmlns:a16="http://schemas.microsoft.com/office/drawing/2014/main" id="{EFCB1D1B-2560-459E-83E6-C5DD63D41968}"/>
+              </a:ext>
+            </a:extLst>
+          </p:cNvPr>
+          <p:cNvSpPr>
+            <a:spLocks noGrp="1"/>
+          </p:cNvSpPr>
+          <p:nvPr>
+            <p:ph idx="1"/>
+          </p:nvPr>
+        </p:nvSpPr>
+        <p:spPr/>
+        <p:txBody>
+          <a:bodyPr/>
+          <a:lstStyle/>
+          <a:p>
+            <a:endParaRPr lang="en-US"/>
+          </a:p>
+        </p:txBody>
+      </p:sp>
+    </p:spTree>
+    <p:extLst>
+      <p:ext uri="{BB962C8B-B14F-4D97-AF65-F5344CB8AC3E}">
+        <p14:creationId xmlns:p14="http://schemas.microsoft.com/office/powerpoint/2010/main" val="4224509479"/>
+      </p:ext>
+    </p:extLst>
+  </p:cSld>
+  <p:clrMapOvr>
+    <a:masterClrMapping/>
+  </p:clrMapOvr>
+  <mc:AlternateContent xmlns:mc="http://schemas.openxmlformats.org/markup-compatibility/2006" xmlns:p14="http://schemas.microsoft.com/office/powerpoint/2010/main">
+    <mc:Choice Requires="p14">
+      <p:transition spd="med" p14:dur="700">
+        <p:fade/>
+      </p:transition>
+    </mc:Choice>
+    <mc:Fallback xmlns="">
+      <p:transition spd="med">
+        <p:fade/>
+      </p:transition>
+    </mc:Fallback>
+  </mc:AlternateContent>
+</p:sld>
+</file>
+
+<file path=ppt/slides/slide12.xml><?xml version="1.0" encoding="utf-8"?>
+<p:sld xmlns:a="http://schemas.openxmlformats.org/drawingml/2006/main" xmlns:r="http://schemas.openxmlformats.org/officeDocument/2006/relationships" xmlns:p="http://schemas.openxmlformats.org/presentationml/2006/main">
+  <p:cSld>
+    <p:spTree>
+      <p:nvGrpSpPr>
+        <p:cNvPr id="1" name=""/>
+        <p:cNvGrpSpPr/>
+        <p:nvPr/>
+      </p:nvGrpSpPr>
+      <p:grpSpPr>
+        <a:xfrm>
+          <a:off x="0" y="0"/>
+          <a:ext cx="0" cy="0"/>
+          <a:chOff x="0" y="0"/>
+          <a:chExt cx="0" cy="0"/>
+        </a:xfrm>
+      </p:grpSpPr>
+      <p:sp>
+        <p:nvSpPr>
+          <p:cNvPr id="2" name="Title 1"/>
+          <p:cNvSpPr>
+            <a:spLocks noGrp="1"/>
+          </p:cNvSpPr>
+          <p:nvPr>
+            <p:ph type="title"/>
+          </p:nvPr>
+        </p:nvSpPr>
+        <p:spPr/>
+        <p:txBody>
+          <a:bodyPr/>
+          <a:lstStyle/>
+          <a:p>
+            <a:r>
+              <a:rPr lang="en-US" dirty="0"/>
+              <a:t>FCC Complaints data</a:t>
+            </a:r>
+          </a:p>
+        </p:txBody>
+      </p:sp>
+      <p:sp>
+        <p:nvSpPr>
+          <p:cNvPr id="5" name="Content Placeholder 4">
+            <a:extLst>
+              <a:ext uri="{FF2B5EF4-FFF2-40B4-BE49-F238E27FC236}">
+                <a16:creationId xmlns:a16="http://schemas.microsoft.com/office/drawing/2014/main" id="{1C18B280-069E-40CB-AE35-07F9DA34BC03}"/>
+              </a:ext>
+            </a:extLst>
+          </p:cNvPr>
+          <p:cNvSpPr>
+            <a:spLocks noGrp="1"/>
+          </p:cNvSpPr>
+          <p:nvPr>
+            <p:ph idx="1"/>
+          </p:nvPr>
+        </p:nvSpPr>
+        <p:spPr/>
+        <p:txBody>
+          <a:bodyPr/>
+          <a:lstStyle/>
+          <a:p>
+            <a:endParaRPr lang="en-US"/>
+          </a:p>
+        </p:txBody>
+      </p:sp>
+    </p:spTree>
+    <p:extLst>
+      <p:ext uri="{BB962C8B-B14F-4D97-AF65-F5344CB8AC3E}">
+        <p14:creationId xmlns:p14="http://schemas.microsoft.com/office/powerpoint/2010/main" val="2851694177"/>
+      </p:ext>
+    </p:extLst>
+  </p:cSld>
+  <p:clrMapOvr>
+    <a:masterClrMapping/>
+  </p:clrMapOvr>
+  <mc:AlternateContent xmlns:mc="http://schemas.openxmlformats.org/markup-compatibility/2006" xmlns:p14="http://schemas.microsoft.com/office/powerpoint/2010/main">
+    <mc:Choice Requires="p14">
+      <p:transition spd="med" p14:dur="700">
+        <p:fade/>
+      </p:transition>
+    </mc:Choice>
+    <mc:Fallback xmlns="">
+      <p:transition spd="med">
+        <p:fade/>
+      </p:transition>
+    </mc:Fallback>
+  </mc:AlternateContent>
+</p:sld>
+</file>
+
+<file path=ppt/slides/slide13.xml><?xml version="1.0" encoding="utf-8"?>
+<p:sld xmlns:a="http://schemas.openxmlformats.org/drawingml/2006/main" xmlns:r="http://schemas.openxmlformats.org/officeDocument/2006/relationships" xmlns:p="http://schemas.openxmlformats.org/presentationml/2006/main">
+  <p:cSld>
+    <p:spTree>
+      <p:nvGrpSpPr>
+        <p:cNvPr id="1" name=""/>
+        <p:cNvGrpSpPr/>
+        <p:nvPr/>
+      </p:nvGrpSpPr>
+      <p:grpSpPr>
+        <a:xfrm>
+          <a:off x="0" y="0"/>
+          <a:ext cx="0" cy="0"/>
+          <a:chOff x="0" y="0"/>
+          <a:chExt cx="0" cy="0"/>
+        </a:xfrm>
+      </p:grpSpPr>
+      <p:sp>
+        <p:nvSpPr>
+          <p:cNvPr id="2" name="Title 1"/>
+          <p:cNvSpPr>
+            <a:spLocks noGrp="1"/>
+          </p:cNvSpPr>
+          <p:nvPr>
+            <p:ph type="title"/>
+          </p:nvPr>
+        </p:nvSpPr>
+        <p:spPr/>
+        <p:txBody>
+          <a:bodyPr/>
+          <a:lstStyle/>
+          <a:p>
+            <a:r>
+              <a:rPr lang="en-US" dirty="0"/>
+              <a:t>Where US cities rank amongst the world in terms of internet cost</a:t>
+            </a:r>
+          </a:p>
+        </p:txBody>
+      </p:sp>
+      <p:sp>
+        <p:nvSpPr>
+          <p:cNvPr id="4" name="Text Placeholder 3"/>
+          <p:cNvSpPr>
+            <a:spLocks noGrp="1"/>
+          </p:cNvSpPr>
+          <p:nvPr>
+            <p:ph type="body" sz="half" idx="2"/>
+          </p:nvPr>
+        </p:nvSpPr>
+        <p:spPr/>
+        <p:txBody>
+          <a:bodyPr/>
+          <a:lstStyle/>
+          <a:p>
+            <a:r>
+              <a:rPr lang="en-US" dirty="0"/>
+              <a:t>Caption</a:t>
+            </a:r>
+          </a:p>
+        </p:txBody>
+      </p:sp>
+      <p:sp>
+        <p:nvSpPr>
+          <p:cNvPr id="6" name="Picture Placeholder 5">
+            <a:extLst>
+              <a:ext uri="{FF2B5EF4-FFF2-40B4-BE49-F238E27FC236}">
+                <a16:creationId xmlns:a16="http://schemas.microsoft.com/office/drawing/2014/main" id="{E417C5DC-97EC-4DA4-88F6-D6D6DCEDB3A2}"/>
+              </a:ext>
+            </a:extLst>
+          </p:cNvPr>
+          <p:cNvSpPr>
+            <a:spLocks noGrp="1"/>
+          </p:cNvSpPr>
+          <p:nvPr>
+            <p:ph type="pic" idx="1"/>
+          </p:nvPr>
+        </p:nvSpPr>
+        <p:spPr/>
+      </p:sp>
+    </p:spTree>
+    <p:extLst>
+      <p:ext uri="{BB962C8B-B14F-4D97-AF65-F5344CB8AC3E}">
+        <p14:creationId xmlns:p14="http://schemas.microsoft.com/office/powerpoint/2010/main" val="3683544629"/>
+      </p:ext>
+    </p:extLst>
+  </p:cSld>
+  <p:clrMapOvr>
+    <a:masterClrMapping/>
+  </p:clrMapOvr>
+  <mc:AlternateContent xmlns:mc="http://schemas.openxmlformats.org/markup-compatibility/2006" xmlns:p14="http://schemas.microsoft.com/office/powerpoint/2010/main">
+    <mc:Choice Requires="p14">
+      <p:transition spd="med" p14:dur="700">
+        <p:fade/>
+      </p:transition>
+    </mc:Choice>
+    <mc:Fallback xmlns="">
+      <p:transition spd="med">
+        <p:fade/>
+      </p:transition>
+    </mc:Fallback>
+  </mc:AlternateContent>
+</p:sld>
+</file>
+
+<file path=ppt/slides/slide14.xml><?xml version="1.0" encoding="utf-8"?>
+<p:sld xmlns:a="http://schemas.openxmlformats.org/drawingml/2006/main" xmlns:r="http://schemas.openxmlformats.org/officeDocument/2006/relationships" xmlns:p="http://schemas.openxmlformats.org/presentationml/2006/main">
+  <p:cSld>
+    <p:spTree>
+      <p:nvGrpSpPr>
+        <p:cNvPr id="1" name=""/>
+        <p:cNvGrpSpPr/>
+        <p:nvPr/>
+      </p:nvGrpSpPr>
+      <p:grpSpPr>
+        <a:xfrm>
+          <a:off x="0" y="0"/>
+          <a:ext cx="0" cy="0"/>
+          <a:chOff x="0" y="0"/>
+          <a:chExt cx="0" cy="0"/>
+        </a:xfrm>
+      </p:grpSpPr>
+      <p:sp>
+        <p:nvSpPr>
           <p:cNvPr id="2" name="Title 1"/>
           <p:cNvSpPr>
             <a:spLocks noGrp="1"/>
@@ -6397,8 +6786,13 @@
           <a:p>
             <a:r>
               <a:rPr lang="en-US" sz="1400" b="1" dirty="0"/>
-              <a:t>Introduction – Colin Nagle</a:t>
-            </a:r>
+              <a:t>Introduction – Colin </a:t>
+            </a:r>
+            <a:r>
+              <a:rPr lang="en-US" sz="1400" b="1" dirty="0" err="1"/>
+              <a:t>Neagle</a:t>
+            </a:r>
+            <a:endParaRPr lang="en-US" sz="1400" b="1" dirty="0"/>
           </a:p>
           <a:p>
             <a:pPr lvl="1"/>
@@ -6923,13 +7317,13 @@
   <p:clrMapOvr>
     <a:masterClrMapping/>
   </p:clrMapOvr>
-  <mc:AlternateContent xmlns:mc="http://schemas.openxmlformats.org/markup-compatibility/2006">
-    <mc:Choice xmlns:p14="http://schemas.microsoft.com/office/powerpoint/2010/main" Requires="p14">
+  <mc:AlternateContent xmlns:mc="http://schemas.openxmlformats.org/markup-compatibility/2006" xmlns:p14="http://schemas.microsoft.com/office/powerpoint/2010/main">
+    <mc:Choice Requires="p14">
       <p:transition spd="med" p14:dur="700">
         <p:fade/>
       </p:transition>
     </mc:Choice>
-    <mc:Fallback>
+    <mc:Fallback xmlns="">
       <p:transition spd="med">
         <p:fade/>
       </p:transition>
@@ -6939,6 +7333,113 @@
 </file>
 
 <file path=ppt/slides/slide5.xml><?xml version="1.0" encoding="utf-8"?>
+<p:sld xmlns:a="http://schemas.openxmlformats.org/drawingml/2006/main" xmlns:r="http://schemas.openxmlformats.org/officeDocument/2006/relationships" xmlns:p="http://schemas.openxmlformats.org/presentationml/2006/main">
+  <p:cSld>
+    <p:spTree>
+      <p:nvGrpSpPr>
+        <p:cNvPr id="1" name=""/>
+        <p:cNvGrpSpPr/>
+        <p:nvPr/>
+      </p:nvGrpSpPr>
+      <p:grpSpPr>
+        <a:xfrm>
+          <a:off x="0" y="0"/>
+          <a:ext cx="0" cy="0"/>
+          <a:chOff x="0" y="0"/>
+          <a:chExt cx="0" cy="0"/>
+        </a:xfrm>
+      </p:grpSpPr>
+      <p:sp>
+        <p:nvSpPr>
+          <p:cNvPr id="2" name="Title 1">
+            <a:extLst>
+              <a:ext uri="{FF2B5EF4-FFF2-40B4-BE49-F238E27FC236}">
+                <a16:creationId xmlns:a16="http://schemas.microsoft.com/office/drawing/2014/main" id="{3609C2B5-0486-4346-AFD2-315E7CE9D6B7}"/>
+              </a:ext>
+            </a:extLst>
+          </p:cNvPr>
+          <p:cNvSpPr>
+            <a:spLocks noGrp="1"/>
+          </p:cNvSpPr>
+          <p:nvPr>
+            <p:ph type="title"/>
+          </p:nvPr>
+        </p:nvSpPr>
+        <p:spPr/>
+        <p:txBody>
+          <a:bodyPr/>
+          <a:lstStyle/>
+          <a:p>
+            <a:r>
+              <a:rPr lang="en-US" dirty="0"/>
+              <a:t>Map of the cities in our study </a:t>
+            </a:r>
+            <a:r>
+              <a:rPr lang="en-US" i="1" dirty="0"/>
+              <a:t>(by </a:t>
+            </a:r>
+            <a:r>
+              <a:rPr lang="en-US" i="1" dirty="0" err="1"/>
+              <a:t>lat</a:t>
+            </a:r>
+            <a:r>
+              <a:rPr lang="en-US" i="1" dirty="0"/>
+              <a:t> and long)</a:t>
+            </a:r>
+          </a:p>
+        </p:txBody>
+      </p:sp>
+      <p:sp>
+        <p:nvSpPr>
+          <p:cNvPr id="3" name="Content Placeholder 2">
+            <a:extLst>
+              <a:ext uri="{FF2B5EF4-FFF2-40B4-BE49-F238E27FC236}">
+                <a16:creationId xmlns:a16="http://schemas.microsoft.com/office/drawing/2014/main" id="{B3AC6E01-8D2A-4432-974A-052D86E27C0C}"/>
+              </a:ext>
+            </a:extLst>
+          </p:cNvPr>
+          <p:cNvSpPr>
+            <a:spLocks noGrp="1"/>
+          </p:cNvSpPr>
+          <p:nvPr>
+            <p:ph idx="1"/>
+          </p:nvPr>
+        </p:nvSpPr>
+        <p:spPr/>
+        <p:txBody>
+          <a:bodyPr/>
+          <a:lstStyle/>
+          <a:p>
+            <a:endParaRPr lang="en-US" dirty="0"/>
+          </a:p>
+        </p:txBody>
+      </p:sp>
+    </p:spTree>
+    <p:extLst>
+      <p:ext uri="{BB962C8B-B14F-4D97-AF65-F5344CB8AC3E}">
+        <p14:creationId xmlns:p14="http://schemas.microsoft.com/office/powerpoint/2010/main" val="1685103421"/>
+      </p:ext>
+    </p:extLst>
+  </p:cSld>
+  <p:clrMapOvr>
+    <a:masterClrMapping/>
+  </p:clrMapOvr>
+  <mc:AlternateContent xmlns:mc="http://schemas.openxmlformats.org/markup-compatibility/2006" xmlns:p14="http://schemas.microsoft.com/office/powerpoint/2010/main">
+    <mc:Choice Requires="p14">
+      <p:transition spd="med" p14:dur="700">
+        <p:fade/>
+      </p:transition>
+    </mc:Choice>
+    <mc:Fallback xmlns="">
+      <p:transition spd="med">
+        <p:fade/>
+      </p:transition>
+    </mc:Fallback>
+  </mc:AlternateContent>
+</p:sld>
+</file>
+
+<file path=ppt/slides/slide6.xml><?xml version="1.0" encoding="utf-8"?>
 <p:sld xmlns:a="http://schemas.openxmlformats.org/drawingml/2006/main" xmlns:r="http://schemas.openxmlformats.org/officeDocument/2006/relationships" xmlns:p="http://schemas.openxmlformats.org/presentationml/2006/main">
   <p:cSld>
     <p:spTree>
@@ -7027,7 +7528,205 @@
 </p:sld>
 </file>
 
-<file path=ppt/slides/slide6.xml><?xml version="1.0" encoding="utf-8"?>
+<file path=ppt/slides/slide7.xml><?xml version="1.0" encoding="utf-8"?>
+<p:sld xmlns:a="http://schemas.openxmlformats.org/drawingml/2006/main" xmlns:r="http://schemas.openxmlformats.org/officeDocument/2006/relationships" xmlns:p="http://schemas.openxmlformats.org/presentationml/2006/main">
+  <p:cSld>
+    <p:spTree>
+      <p:nvGrpSpPr>
+        <p:cNvPr id="1" name=""/>
+        <p:cNvGrpSpPr/>
+        <p:nvPr/>
+      </p:nvGrpSpPr>
+      <p:grpSpPr>
+        <a:xfrm>
+          <a:off x="0" y="0"/>
+          <a:ext cx="0" cy="0"/>
+          <a:chOff x="0" y="0"/>
+          <a:chExt cx="0" cy="0"/>
+        </a:xfrm>
+      </p:grpSpPr>
+      <p:sp>
+        <p:nvSpPr>
+          <p:cNvPr id="2" name="Title 1"/>
+          <p:cNvSpPr>
+            <a:spLocks noGrp="1"/>
+          </p:cNvSpPr>
+          <p:nvPr>
+            <p:ph type="title"/>
+          </p:nvPr>
+        </p:nvSpPr>
+        <p:spPr/>
+        <p:txBody>
+          <a:bodyPr/>
+          <a:lstStyle/>
+          <a:p>
+            <a:pPr algn="ctr"/>
+            <a:r>
+              <a:rPr lang="en-US" dirty="0"/>
+              <a:t>Average cost of Broadband by City </a:t>
+            </a:r>
+          </a:p>
+        </p:txBody>
+      </p:sp>
+      <p:pic>
+        <p:nvPicPr>
+          <p:cNvPr id="9" name="Content Placeholder 8">
+            <a:extLst>
+              <a:ext uri="{FF2B5EF4-FFF2-40B4-BE49-F238E27FC236}">
+                <a16:creationId xmlns:a16="http://schemas.microsoft.com/office/drawing/2014/main" id="{6738D900-D7D8-4D7A-BA76-B9EF9194E7BC}"/>
+              </a:ext>
+            </a:extLst>
+          </p:cNvPr>
+          <p:cNvPicPr>
+            <a:picLocks noGrp="1" noChangeAspect="1"/>
+          </p:cNvPicPr>
+          <p:nvPr>
+            <p:ph idx="1"/>
+          </p:nvPr>
+        </p:nvPicPr>
+        <p:blipFill rotWithShape="1">
+          <a:blip r:embed="rId2"/>
+          <a:srcRect t="3531" r="1145"/>
+          <a:stretch/>
+        </p:blipFill>
+        <p:spPr>
+          <a:xfrm>
+            <a:off x="1104900" y="2623127"/>
+            <a:ext cx="9867900" cy="2622119"/>
+          </a:xfrm>
+          <a:prstGeom prst="rect">
+            <a:avLst/>
+          </a:prstGeom>
+        </p:spPr>
+      </p:pic>
+    </p:spTree>
+    <p:extLst>
+      <p:ext uri="{BB962C8B-B14F-4D97-AF65-F5344CB8AC3E}">
+        <p14:creationId xmlns:p14="http://schemas.microsoft.com/office/powerpoint/2010/main" val="3553096726"/>
+      </p:ext>
+    </p:extLst>
+  </p:cSld>
+  <p:clrMapOvr>
+    <a:masterClrMapping/>
+  </p:clrMapOvr>
+  <mc:AlternateContent xmlns:mc="http://schemas.openxmlformats.org/markup-compatibility/2006" xmlns:p14="http://schemas.microsoft.com/office/powerpoint/2010/main">
+    <mc:Choice Requires="p14">
+      <p:transition spd="med" p14:dur="700">
+        <p:fade/>
+      </p:transition>
+    </mc:Choice>
+    <mc:Fallback xmlns="">
+      <p:transition spd="med">
+        <p:fade/>
+      </p:transition>
+    </mc:Fallback>
+  </mc:AlternateContent>
+</p:sld>
+</file>
+
+<file path=ppt/slides/slide8.xml><?xml version="1.0" encoding="utf-8"?>
+<p:sld xmlns:a="http://schemas.openxmlformats.org/drawingml/2006/main" xmlns:r="http://schemas.openxmlformats.org/officeDocument/2006/relationships" xmlns:p="http://schemas.openxmlformats.org/presentationml/2006/main">
+  <p:cSld>
+    <p:spTree>
+      <p:nvGrpSpPr>
+        <p:cNvPr id="1" name=""/>
+        <p:cNvGrpSpPr/>
+        <p:nvPr/>
+      </p:nvGrpSpPr>
+      <p:grpSpPr>
+        <a:xfrm>
+          <a:off x="0" y="0"/>
+          <a:ext cx="0" cy="0"/>
+          <a:chOff x="0" y="0"/>
+          <a:chExt cx="0" cy="0"/>
+        </a:xfrm>
+      </p:grpSpPr>
+      <p:sp>
+        <p:nvSpPr>
+          <p:cNvPr id="2" name="Title 1">
+            <a:extLst>
+              <a:ext uri="{FF2B5EF4-FFF2-40B4-BE49-F238E27FC236}">
+                <a16:creationId xmlns:a16="http://schemas.microsoft.com/office/drawing/2014/main" id="{03008605-DDA6-4C0D-B5A0-FC6577C3C196}"/>
+              </a:ext>
+            </a:extLst>
+          </p:cNvPr>
+          <p:cNvSpPr>
+            <a:spLocks noGrp="1"/>
+          </p:cNvSpPr>
+          <p:nvPr>
+            <p:ph type="title"/>
+          </p:nvPr>
+        </p:nvSpPr>
+        <p:spPr/>
+        <p:txBody>
+          <a:bodyPr/>
+          <a:lstStyle/>
+          <a:p>
+            <a:pPr algn="ctr"/>
+            <a:r>
+              <a:rPr lang="en-US" dirty="0"/>
+              <a:t>Average  Download Speed Mbps by City </a:t>
+            </a:r>
+          </a:p>
+        </p:txBody>
+      </p:sp>
+      <p:pic>
+        <p:nvPicPr>
+          <p:cNvPr id="4" name="Content Placeholder 3">
+            <a:extLst>
+              <a:ext uri="{FF2B5EF4-FFF2-40B4-BE49-F238E27FC236}">
+                <a16:creationId xmlns:a16="http://schemas.microsoft.com/office/drawing/2014/main" id="{950D0E46-24C5-4E38-BA34-5683BD96C398}"/>
+              </a:ext>
+            </a:extLst>
+          </p:cNvPr>
+          <p:cNvPicPr>
+            <a:picLocks noGrp="1" noChangeAspect="1"/>
+          </p:cNvPicPr>
+          <p:nvPr>
+            <p:ph idx="1"/>
+          </p:nvPr>
+        </p:nvPicPr>
+        <p:blipFill rotWithShape="1">
+          <a:blip r:embed="rId2"/>
+          <a:srcRect t="1934" r="732"/>
+          <a:stretch/>
+        </p:blipFill>
+        <p:spPr>
+          <a:xfrm>
+            <a:off x="756544" y="2493818"/>
+            <a:ext cx="10557037" cy="2826326"/>
+          </a:xfrm>
+          <a:prstGeom prst="rect">
+            <a:avLst/>
+          </a:prstGeom>
+        </p:spPr>
+      </p:pic>
+    </p:spTree>
+    <p:extLst>
+      <p:ext uri="{BB962C8B-B14F-4D97-AF65-F5344CB8AC3E}">
+        <p14:creationId xmlns:p14="http://schemas.microsoft.com/office/powerpoint/2010/main" val="600307596"/>
+      </p:ext>
+    </p:extLst>
+  </p:cSld>
+  <p:clrMapOvr>
+    <a:masterClrMapping/>
+  </p:clrMapOvr>
+  <mc:AlternateContent xmlns:mc="http://schemas.openxmlformats.org/markup-compatibility/2006" xmlns:p14="http://schemas.microsoft.com/office/powerpoint/2010/main">
+    <mc:Choice Requires="p14">
+      <p:transition spd="med" p14:dur="700">
+        <p:fade/>
+      </p:transition>
+    </mc:Choice>
+    <mc:Fallback xmlns="">
+      <p:transition spd="med">
+        <p:fade/>
+      </p:transition>
+    </mc:Fallback>
+  </mc:AlternateContent>
+</p:sld>
+</file>
+
+<file path=ppt/slides/slide9.xml><?xml version="1.0" encoding="utf-8"?>
 <p:sld xmlns:a="http://schemas.openxmlformats.org/drawingml/2006/main" xmlns:r="http://schemas.openxmlformats.org/officeDocument/2006/relationships" xmlns:p="http://schemas.openxmlformats.org/presentationml/2006/main">
   <p:cSld>
     <p:spTree>
@@ -7350,288 +8049,6 @@
     <p:extLst>
       <p:ext uri="{BB962C8B-B14F-4D97-AF65-F5344CB8AC3E}">
         <p14:creationId xmlns:p14="http://schemas.microsoft.com/office/powerpoint/2010/main" val="2853788422"/>
-      </p:ext>
-    </p:extLst>
-  </p:cSld>
-  <p:clrMapOvr>
-    <a:masterClrMapping/>
-  </p:clrMapOvr>
-  <mc:AlternateContent xmlns:mc="http://schemas.openxmlformats.org/markup-compatibility/2006" xmlns:p14="http://schemas.microsoft.com/office/powerpoint/2010/main">
-    <mc:Choice Requires="p14">
-      <p:transition spd="med" p14:dur="700">
-        <p:fade/>
-      </p:transition>
-    </mc:Choice>
-    <mc:Fallback xmlns="">
-      <p:transition spd="med">
-        <p:fade/>
-      </p:transition>
-    </mc:Fallback>
-  </mc:AlternateContent>
-</p:sld>
-</file>
-
-<file path=ppt/slides/slide7.xml><?xml version="1.0" encoding="utf-8"?>
-<p:sld xmlns:a="http://schemas.openxmlformats.org/drawingml/2006/main" xmlns:r="http://schemas.openxmlformats.org/officeDocument/2006/relationships" xmlns:p="http://schemas.openxmlformats.org/presentationml/2006/main">
-  <p:cSld>
-    <p:spTree>
-      <p:nvGrpSpPr>
-        <p:cNvPr id="1" name=""/>
-        <p:cNvGrpSpPr/>
-        <p:nvPr/>
-      </p:nvGrpSpPr>
-      <p:grpSpPr>
-        <a:xfrm>
-          <a:off x="0" y="0"/>
-          <a:ext cx="0" cy="0"/>
-          <a:chOff x="0" y="0"/>
-          <a:chExt cx="0" cy="0"/>
-        </a:xfrm>
-      </p:grpSpPr>
-      <p:sp>
-        <p:nvSpPr>
-          <p:cNvPr id="2" name="Title 1"/>
-          <p:cNvSpPr>
-            <a:spLocks noGrp="1"/>
-          </p:cNvSpPr>
-          <p:nvPr>
-            <p:ph type="title"/>
-          </p:nvPr>
-        </p:nvSpPr>
-        <p:spPr/>
-        <p:txBody>
-          <a:bodyPr/>
-          <a:lstStyle/>
-          <a:p>
-            <a:r>
-              <a:rPr lang="en-US" dirty="0"/>
-              <a:t>Cellular and Fixed Broadband Infrastructure</a:t>
-            </a:r>
-          </a:p>
-        </p:txBody>
-      </p:sp>
-      <p:sp>
-        <p:nvSpPr>
-          <p:cNvPr id="5" name="Content Placeholder 4">
-            <a:extLst>
-              <a:ext uri="{FF2B5EF4-FFF2-40B4-BE49-F238E27FC236}">
-                <a16:creationId xmlns:a16="http://schemas.microsoft.com/office/drawing/2014/main" id="{1C18B280-069E-40CB-AE35-07F9DA34BC03}"/>
-              </a:ext>
-            </a:extLst>
-          </p:cNvPr>
-          <p:cNvSpPr>
-            <a:spLocks noGrp="1"/>
-          </p:cNvSpPr>
-          <p:nvPr>
-            <p:ph idx="1"/>
-          </p:nvPr>
-        </p:nvSpPr>
-        <p:spPr/>
-        <p:txBody>
-          <a:bodyPr/>
-          <a:lstStyle/>
-          <a:p>
-            <a:endParaRPr lang="en-US"/>
-          </a:p>
-        </p:txBody>
-      </p:sp>
-    </p:spTree>
-    <p:extLst>
-      <p:ext uri="{BB962C8B-B14F-4D97-AF65-F5344CB8AC3E}">
-        <p14:creationId xmlns:p14="http://schemas.microsoft.com/office/powerpoint/2010/main" val="4224509479"/>
-      </p:ext>
-    </p:extLst>
-  </p:cSld>
-  <p:clrMapOvr>
-    <a:masterClrMapping/>
-  </p:clrMapOvr>
-  <mc:AlternateContent xmlns:mc="http://schemas.openxmlformats.org/markup-compatibility/2006" xmlns:p14="http://schemas.microsoft.com/office/powerpoint/2010/main">
-    <mc:Choice Requires="p14">
-      <p:transition spd="med" p14:dur="700">
-        <p:fade/>
-      </p:transition>
-    </mc:Choice>
-    <mc:Fallback xmlns="">
-      <p:transition spd="med">
-        <p:fade/>
-      </p:transition>
-    </mc:Fallback>
-  </mc:AlternateContent>
-</p:sld>
-</file>
-
-<file path=ppt/slides/slide8.xml><?xml version="1.0" encoding="utf-8"?>
-<p:sld xmlns:a="http://schemas.openxmlformats.org/drawingml/2006/main" xmlns:r="http://schemas.openxmlformats.org/officeDocument/2006/relationships" xmlns:p="http://schemas.openxmlformats.org/presentationml/2006/main">
-  <p:cSld>
-    <p:spTree>
-      <p:nvGrpSpPr>
-        <p:cNvPr id="1" name=""/>
-        <p:cNvGrpSpPr/>
-        <p:nvPr/>
-      </p:nvGrpSpPr>
-      <p:grpSpPr>
-        <a:xfrm>
-          <a:off x="0" y="0"/>
-          <a:ext cx="0" cy="0"/>
-          <a:chOff x="0" y="0"/>
-          <a:chExt cx="0" cy="0"/>
-        </a:xfrm>
-      </p:grpSpPr>
-      <p:sp>
-        <p:nvSpPr>
-          <p:cNvPr id="2" name="Title 1"/>
-          <p:cNvSpPr>
-            <a:spLocks noGrp="1"/>
-          </p:cNvSpPr>
-          <p:nvPr>
-            <p:ph type="title"/>
-          </p:nvPr>
-        </p:nvSpPr>
-        <p:spPr/>
-        <p:txBody>
-          <a:bodyPr/>
-          <a:lstStyle/>
-          <a:p>
-            <a:r>
-              <a:rPr lang="en-US" dirty="0"/>
-              <a:t>FCC Complaints data</a:t>
-            </a:r>
-          </a:p>
-        </p:txBody>
-      </p:sp>
-      <p:sp>
-        <p:nvSpPr>
-          <p:cNvPr id="5" name="Content Placeholder 4">
-            <a:extLst>
-              <a:ext uri="{FF2B5EF4-FFF2-40B4-BE49-F238E27FC236}">
-                <a16:creationId xmlns:a16="http://schemas.microsoft.com/office/drawing/2014/main" id="{1C18B280-069E-40CB-AE35-07F9DA34BC03}"/>
-              </a:ext>
-            </a:extLst>
-          </p:cNvPr>
-          <p:cNvSpPr>
-            <a:spLocks noGrp="1"/>
-          </p:cNvSpPr>
-          <p:nvPr>
-            <p:ph idx="1"/>
-          </p:nvPr>
-        </p:nvSpPr>
-        <p:spPr/>
-        <p:txBody>
-          <a:bodyPr/>
-          <a:lstStyle/>
-          <a:p>
-            <a:endParaRPr lang="en-US"/>
-          </a:p>
-        </p:txBody>
-      </p:sp>
-    </p:spTree>
-    <p:extLst>
-      <p:ext uri="{BB962C8B-B14F-4D97-AF65-F5344CB8AC3E}">
-        <p14:creationId xmlns:p14="http://schemas.microsoft.com/office/powerpoint/2010/main" val="2851694177"/>
-      </p:ext>
-    </p:extLst>
-  </p:cSld>
-  <p:clrMapOvr>
-    <a:masterClrMapping/>
-  </p:clrMapOvr>
-  <mc:AlternateContent xmlns:mc="http://schemas.openxmlformats.org/markup-compatibility/2006">
-    <mc:Choice xmlns:p14="http://schemas.microsoft.com/office/powerpoint/2010/main" Requires="p14">
-      <p:transition spd="med" p14:dur="700">
-        <p:fade/>
-      </p:transition>
-    </mc:Choice>
-    <mc:Fallback>
-      <p:transition spd="med">
-        <p:fade/>
-      </p:transition>
-    </mc:Fallback>
-  </mc:AlternateContent>
-</p:sld>
-</file>
-
-<file path=ppt/slides/slide9.xml><?xml version="1.0" encoding="utf-8"?>
-<p:sld xmlns:a="http://schemas.openxmlformats.org/drawingml/2006/main" xmlns:r="http://schemas.openxmlformats.org/officeDocument/2006/relationships" xmlns:p="http://schemas.openxmlformats.org/presentationml/2006/main">
-  <p:cSld>
-    <p:spTree>
-      <p:nvGrpSpPr>
-        <p:cNvPr id="1" name=""/>
-        <p:cNvGrpSpPr/>
-        <p:nvPr/>
-      </p:nvGrpSpPr>
-      <p:grpSpPr>
-        <a:xfrm>
-          <a:off x="0" y="0"/>
-          <a:ext cx="0" cy="0"/>
-          <a:chOff x="0" y="0"/>
-          <a:chExt cx="0" cy="0"/>
-        </a:xfrm>
-      </p:grpSpPr>
-      <p:sp>
-        <p:nvSpPr>
-          <p:cNvPr id="2" name="Title 1"/>
-          <p:cNvSpPr>
-            <a:spLocks noGrp="1"/>
-          </p:cNvSpPr>
-          <p:nvPr>
-            <p:ph type="title"/>
-          </p:nvPr>
-        </p:nvSpPr>
-        <p:spPr/>
-        <p:txBody>
-          <a:bodyPr/>
-          <a:lstStyle/>
-          <a:p>
-            <a:r>
-              <a:rPr lang="en-US" dirty="0"/>
-              <a:t>Where US cities rank amongst the world in terms of internet cost</a:t>
-            </a:r>
-          </a:p>
-        </p:txBody>
-      </p:sp>
-      <p:sp>
-        <p:nvSpPr>
-          <p:cNvPr id="4" name="Text Placeholder 3"/>
-          <p:cNvSpPr>
-            <a:spLocks noGrp="1"/>
-          </p:cNvSpPr>
-          <p:nvPr>
-            <p:ph type="body" sz="half" idx="2"/>
-          </p:nvPr>
-        </p:nvSpPr>
-        <p:spPr/>
-        <p:txBody>
-          <a:bodyPr/>
-          <a:lstStyle/>
-          <a:p>
-            <a:r>
-              <a:rPr lang="en-US" dirty="0"/>
-              <a:t>Caption</a:t>
-            </a:r>
-          </a:p>
-        </p:txBody>
-      </p:sp>
-      <p:sp>
-        <p:nvSpPr>
-          <p:cNvPr id="6" name="Picture Placeholder 5">
-            <a:extLst>
-              <a:ext uri="{FF2B5EF4-FFF2-40B4-BE49-F238E27FC236}">
-                <a16:creationId xmlns:a16="http://schemas.microsoft.com/office/drawing/2014/main" id="{E417C5DC-97EC-4DA4-88F6-D6D6DCEDB3A2}"/>
-              </a:ext>
-            </a:extLst>
-          </p:cNvPr>
-          <p:cNvSpPr>
-            <a:spLocks noGrp="1"/>
-          </p:cNvSpPr>
-          <p:nvPr>
-            <p:ph type="pic" idx="1"/>
-          </p:nvPr>
-        </p:nvSpPr>
-        <p:spPr/>
-      </p:sp>
-    </p:spTree>
-    <p:extLst>
-      <p:ext uri="{BB962C8B-B14F-4D97-AF65-F5344CB8AC3E}">
-        <p14:creationId xmlns:p14="http://schemas.microsoft.com/office/powerpoint/2010/main" val="3683544629"/>
       </p:ext>
     </p:extLst>
   </p:cSld>
@@ -8401,141 +8818,6 @@
 </file>
 
 <file path=customXml/item1.xml><?xml version="1.0" encoding="utf-8"?>
-<p:properties xmlns:p="http://schemas.microsoft.com/office/2006/metadata/properties" xmlns:xsi="http://www.w3.org/2001/XMLSchema-instance" xmlns:pc="http://schemas.microsoft.com/office/infopath/2007/PartnerControls">
-  <documentManagement>
-    <APDescription xmlns="4873beb7-5857-4685-be1f-d57550cc96cc" xsi:nil="true"/>
-    <AssetExpire xmlns="4873beb7-5857-4685-be1f-d57550cc96cc">2029-01-01T08:00:00+00:00</AssetExpire>
-    <CampaignTagsTaxHTField0 xmlns="4873beb7-5857-4685-be1f-d57550cc96cc">
-      <Terms xmlns="http://schemas.microsoft.com/office/infopath/2007/PartnerControls"/>
-    </CampaignTagsTaxHTField0>
-    <IntlLangReviewDate xmlns="4873beb7-5857-4685-be1f-d57550cc96cc" xsi:nil="true"/>
-    <TPFriendlyName xmlns="4873beb7-5857-4685-be1f-d57550cc96cc" xsi:nil="true"/>
-    <IntlLangReview xmlns="4873beb7-5857-4685-be1f-d57550cc96cc">false</IntlLangReview>
-    <LocLastLocAttemptVersionLookup xmlns="4873beb7-5857-4685-be1f-d57550cc96cc">855024</LocLastLocAttemptVersionLookup>
-    <PolicheckWords xmlns="4873beb7-5857-4685-be1f-d57550cc96cc" xsi:nil="true"/>
-    <SubmitterId xmlns="4873beb7-5857-4685-be1f-d57550cc96cc" xsi:nil="true"/>
-    <AcquiredFrom xmlns="4873beb7-5857-4685-be1f-d57550cc96cc">Internal MS</AcquiredFrom>
-    <EditorialStatus xmlns="4873beb7-5857-4685-be1f-d57550cc96cc">Complete</EditorialStatus>
-    <Markets xmlns="4873beb7-5857-4685-be1f-d57550cc96cc"/>
-    <OriginAsset xmlns="4873beb7-5857-4685-be1f-d57550cc96cc" xsi:nil="true"/>
-    <AssetStart xmlns="4873beb7-5857-4685-be1f-d57550cc96cc">2012-08-31T08:50:00+00:00</AssetStart>
-    <FriendlyTitle xmlns="4873beb7-5857-4685-be1f-d57550cc96cc" xsi:nil="true"/>
-    <MarketSpecific xmlns="4873beb7-5857-4685-be1f-d57550cc96cc">false</MarketSpecific>
-    <TPNamespace xmlns="4873beb7-5857-4685-be1f-d57550cc96cc" xsi:nil="true"/>
-    <PublishStatusLookup xmlns="4873beb7-5857-4685-be1f-d57550cc96cc">
-      <Value>1616423</Value>
-    </PublishStatusLookup>
-    <APAuthor xmlns="4873beb7-5857-4685-be1f-d57550cc96cc">
-      <UserInfo>
-        <DisplayName>REDMOND\kristaa</DisplayName>
-        <AccountId>136</AccountId>
-        <AccountType/>
-      </UserInfo>
-    </APAuthor>
-    <TPCommandLine xmlns="4873beb7-5857-4685-be1f-d57550cc96cc" xsi:nil="true"/>
-    <IntlLangReviewer xmlns="4873beb7-5857-4685-be1f-d57550cc96cc" xsi:nil="true"/>
-    <OpenTemplate xmlns="4873beb7-5857-4685-be1f-d57550cc96cc">true</OpenTemplate>
-    <CSXSubmissionDate xmlns="4873beb7-5857-4685-be1f-d57550cc96cc" xsi:nil="true"/>
-    <TaxCatchAll xmlns="4873beb7-5857-4685-be1f-d57550cc96cc"/>
-    <Manager xmlns="4873beb7-5857-4685-be1f-d57550cc96cc" xsi:nil="true"/>
-    <NumericId xmlns="4873beb7-5857-4685-be1f-d57550cc96cc" xsi:nil="true"/>
-    <ParentAssetId xmlns="4873beb7-5857-4685-be1f-d57550cc96cc" xsi:nil="true"/>
-    <OriginalSourceMarket xmlns="4873beb7-5857-4685-be1f-d57550cc96cc" xsi:nil="true"/>
-    <ApprovalStatus xmlns="4873beb7-5857-4685-be1f-d57550cc96cc">InProgress</ApprovalStatus>
-    <TPComponent xmlns="4873beb7-5857-4685-be1f-d57550cc96cc" xsi:nil="true"/>
-    <EditorialTags xmlns="4873beb7-5857-4685-be1f-d57550cc96cc" xsi:nil="true"/>
-    <TPExecutable xmlns="4873beb7-5857-4685-be1f-d57550cc96cc" xsi:nil="true"/>
-    <TPLaunchHelpLink xmlns="4873beb7-5857-4685-be1f-d57550cc96cc" xsi:nil="true"/>
-    <LocComments xmlns="4873beb7-5857-4685-be1f-d57550cc96cc" xsi:nil="true"/>
-    <LocRecommendedHandoff xmlns="4873beb7-5857-4685-be1f-d57550cc96cc" xsi:nil="true"/>
-    <SourceTitle xmlns="4873beb7-5857-4685-be1f-d57550cc96cc" xsi:nil="true"/>
-    <CSXUpdate xmlns="4873beb7-5857-4685-be1f-d57550cc96cc">false</CSXUpdate>
-    <IntlLocPriority xmlns="4873beb7-5857-4685-be1f-d57550cc96cc" xsi:nil="true"/>
-    <UAProjectedTotalWords xmlns="4873beb7-5857-4685-be1f-d57550cc96cc" xsi:nil="true"/>
-    <AssetType xmlns="4873beb7-5857-4685-be1f-d57550cc96cc">TP</AssetType>
-    <MachineTranslated xmlns="4873beb7-5857-4685-be1f-d57550cc96cc">false</MachineTranslated>
-    <OutputCachingOn xmlns="4873beb7-5857-4685-be1f-d57550cc96cc">false</OutputCachingOn>
-    <TemplateStatus xmlns="4873beb7-5857-4685-be1f-d57550cc96cc">Complete</TemplateStatus>
-    <IsSearchable xmlns="4873beb7-5857-4685-be1f-d57550cc96cc">true</IsSearchable>
-    <ContentItem xmlns="4873beb7-5857-4685-be1f-d57550cc96cc" xsi:nil="true"/>
-    <HandoffToMSDN xmlns="4873beb7-5857-4685-be1f-d57550cc96cc" xsi:nil="true"/>
-    <ShowIn xmlns="4873beb7-5857-4685-be1f-d57550cc96cc">Show everywhere</ShowIn>
-    <ThumbnailAssetId xmlns="4873beb7-5857-4685-be1f-d57550cc96cc" xsi:nil="true"/>
-    <UALocComments xmlns="4873beb7-5857-4685-be1f-d57550cc96cc" xsi:nil="true"/>
-    <UALocRecommendation xmlns="4873beb7-5857-4685-be1f-d57550cc96cc">Localize</UALocRecommendation>
-    <LastModifiedDateTime xmlns="4873beb7-5857-4685-be1f-d57550cc96cc" xsi:nil="true"/>
-    <LegacyData xmlns="4873beb7-5857-4685-be1f-d57550cc96cc" xsi:nil="true"/>
-    <LocManualTestRequired xmlns="4873beb7-5857-4685-be1f-d57550cc96cc">false</LocManualTestRequired>
-    <LocMarketGroupTiers2 xmlns="4873beb7-5857-4685-be1f-d57550cc96cc" xsi:nil="true"/>
-    <ClipArtFilename xmlns="4873beb7-5857-4685-be1f-d57550cc96cc" xsi:nil="true"/>
-    <TPApplication xmlns="4873beb7-5857-4685-be1f-d57550cc96cc" xsi:nil="true"/>
-    <CSXHash xmlns="4873beb7-5857-4685-be1f-d57550cc96cc" xsi:nil="true"/>
-    <DirectSourceMarket xmlns="4873beb7-5857-4685-be1f-d57550cc96cc" xsi:nil="true"/>
-    <PrimaryImageGen xmlns="4873beb7-5857-4685-be1f-d57550cc96cc">true</PrimaryImageGen>
-    <PlannedPubDate xmlns="4873beb7-5857-4685-be1f-d57550cc96cc" xsi:nil="true"/>
-    <CSXSubmissionMarket xmlns="4873beb7-5857-4685-be1f-d57550cc96cc" xsi:nil="true"/>
-    <Downloads xmlns="4873beb7-5857-4685-be1f-d57550cc96cc">0</Downloads>
-    <ArtSampleDocs xmlns="4873beb7-5857-4685-be1f-d57550cc96cc" xsi:nil="true"/>
-    <TrustLevel xmlns="4873beb7-5857-4685-be1f-d57550cc96cc">1 Microsoft Managed Content</TrustLevel>
-    <BlockPublish xmlns="4873beb7-5857-4685-be1f-d57550cc96cc">false</BlockPublish>
-    <TPLaunchHelpLinkType xmlns="4873beb7-5857-4685-be1f-d57550cc96cc">Template</TPLaunchHelpLinkType>
-    <LocalizationTagsTaxHTField0 xmlns="4873beb7-5857-4685-be1f-d57550cc96cc">
-      <Terms xmlns="http://schemas.microsoft.com/office/infopath/2007/PartnerControls"/>
-    </LocalizationTagsTaxHTField0>
-    <BusinessGroup xmlns="4873beb7-5857-4685-be1f-d57550cc96cc" xsi:nil="true"/>
-    <Providers xmlns="4873beb7-5857-4685-be1f-d57550cc96cc" xsi:nil="true"/>
-    <TemplateTemplateType xmlns="4873beb7-5857-4685-be1f-d57550cc96cc">PowerPoint Presentation Template</TemplateTemplateType>
-    <TimesCloned xmlns="4873beb7-5857-4685-be1f-d57550cc96cc" xsi:nil="true"/>
-    <TPAppVersion xmlns="4873beb7-5857-4685-be1f-d57550cc96cc" xsi:nil="true"/>
-    <VoteCount xmlns="4873beb7-5857-4685-be1f-d57550cc96cc" xsi:nil="true"/>
-    <AverageRating xmlns="4873beb7-5857-4685-be1f-d57550cc96cc" xsi:nil="true"/>
-    <FeatureTagsTaxHTField0 xmlns="4873beb7-5857-4685-be1f-d57550cc96cc">
-      <Terms xmlns="http://schemas.microsoft.com/office/infopath/2007/PartnerControls"/>
-    </FeatureTagsTaxHTField0>
-    <Provider xmlns="4873beb7-5857-4685-be1f-d57550cc96cc" xsi:nil="true"/>
-    <UACurrentWords xmlns="4873beb7-5857-4685-be1f-d57550cc96cc" xsi:nil="true"/>
-    <AssetId xmlns="4873beb7-5857-4685-be1f-d57550cc96cc">TP103431361</AssetId>
-    <TPClientViewer xmlns="4873beb7-5857-4685-be1f-d57550cc96cc" xsi:nil="true"/>
-    <DSATActionTaken xmlns="4873beb7-5857-4685-be1f-d57550cc96cc" xsi:nil="true"/>
-    <APEditor xmlns="4873beb7-5857-4685-be1f-d57550cc96cc">
-      <UserInfo>
-        <DisplayName/>
-        <AccountId xsi:nil="true"/>
-        <AccountType/>
-      </UserInfo>
-    </APEditor>
-    <TPInstallLocation xmlns="4873beb7-5857-4685-be1f-d57550cc96cc" xsi:nil="true"/>
-    <OOCacheId xmlns="4873beb7-5857-4685-be1f-d57550cc96cc" xsi:nil="true"/>
-    <IsDeleted xmlns="4873beb7-5857-4685-be1f-d57550cc96cc">false</IsDeleted>
-    <PublishTargets xmlns="4873beb7-5857-4685-be1f-d57550cc96cc">OfficeOnlineVNext</PublishTargets>
-    <ApprovalLog xmlns="4873beb7-5857-4685-be1f-d57550cc96cc" xsi:nil="true"/>
-    <BugNumber xmlns="4873beb7-5857-4685-be1f-d57550cc96cc" xsi:nil="true"/>
-    <CrawlForDependencies xmlns="4873beb7-5857-4685-be1f-d57550cc96cc">false</CrawlForDependencies>
-    <InternalTagsTaxHTField0 xmlns="4873beb7-5857-4685-be1f-d57550cc96cc">
-      <Terms xmlns="http://schemas.microsoft.com/office/infopath/2007/PartnerControls"/>
-    </InternalTagsTaxHTField0>
-    <LastHandOff xmlns="4873beb7-5857-4685-be1f-d57550cc96cc" xsi:nil="true"/>
-    <Milestone xmlns="4873beb7-5857-4685-be1f-d57550cc96cc" xsi:nil="true"/>
-    <OriginalRelease xmlns="4873beb7-5857-4685-be1f-d57550cc96cc">15</OriginalRelease>
-    <RecommendationsModifier xmlns="4873beb7-5857-4685-be1f-d57550cc96cc" xsi:nil="true"/>
-    <ScenarioTagsTaxHTField0 xmlns="4873beb7-5857-4685-be1f-d57550cc96cc">
-      <Terms xmlns="http://schemas.microsoft.com/office/infopath/2007/PartnerControls"/>
-    </ScenarioTagsTaxHTField0>
-    <UANotes xmlns="4873beb7-5857-4685-be1f-d57550cc96cc" xsi:nil="true"/>
-  </documentManagement>
-</p:properties>
-</file>
-
-<file path=customXml/item2.xml><?xml version="1.0" encoding="utf-8"?>
-<?mso-contentType ?>
-<FormTemplates xmlns="http://schemas.microsoft.com/sharepoint/v3/contenttype/forms">
-  <Display>DocumentLibraryForm</Display>
-  <Edit>AssetEditForm</Edit>
-  <New>DocumentLibraryForm</New>
-</FormTemplates>
-</file>
-
-<file path=customXml/item3.xml><?xml version="1.0" encoding="utf-8"?>
 <ct:contentTypeSchema xmlns:ct="http://schemas.microsoft.com/office/2006/metadata/contentType" xmlns:ma="http://schemas.microsoft.com/office/2006/metadata/properties/metaAttributes" ct:_="" ma:_="" ma:contentTypeName="TemplateFile" ma:contentTypeID="0x0101006EDDDB5EE6D98C44930B742096920B300400F5B6D36B3EF94B4E9A635CDF2A18F5B8" ma:contentTypeVersion="72" ma:contentTypeDescription="Create a new document." ma:contentTypeScope="" ma:versionID="a23e56308344d904b51738559c3d67c9">
   <xsd:schema xmlns:xsd="http://www.w3.org/2001/XMLSchema" xmlns:xs="http://www.w3.org/2001/XMLSchema" xmlns:p="http://schemas.microsoft.com/office/2006/metadata/properties" xmlns:ns2="4873beb7-5857-4685-be1f-d57550cc96cc" targetNamespace="http://schemas.microsoft.com/office/2006/metadata/properties" ma:root="true" ma:fieldsID="cd0908cc4600e77bf5da051303e00c8d" ns2:_="">
     <xsd:import namespace="4873beb7-5857-4685-be1f-d57550cc96cc"/>
@@ -9575,31 +9857,142 @@
 </ct:contentTypeSchema>
 </file>
 
-<file path=customXml/itemProps1.xml><?xml version="1.0" encoding="utf-8"?>
-<ds:datastoreItem xmlns:ds="http://schemas.openxmlformats.org/officeDocument/2006/customXml" ds:itemID="{8CDDBB83-77C1-4099-A0AA-289882E745E2}">
-  <ds:schemaRefs>
-    <ds:schemaRef ds:uri="http://purl.org/dc/elements/1.1/"/>
-    <ds:schemaRef ds:uri="http://schemas.microsoft.com/office/2006/metadata/properties"/>
-    <ds:schemaRef ds:uri="4873beb7-5857-4685-be1f-d57550cc96cc"/>
-    <ds:schemaRef ds:uri="http://schemas.openxmlformats.org/package/2006/metadata/core-properties"/>
-    <ds:schemaRef ds:uri="http://purl.org/dc/terms/"/>
-    <ds:schemaRef ds:uri="http://schemas.microsoft.com/office/2006/documentManagement/types"/>
-    <ds:schemaRef ds:uri="http://schemas.microsoft.com/office/infopath/2007/PartnerControls"/>
-    <ds:schemaRef ds:uri="http://www.w3.org/XML/1998/namespace"/>
-    <ds:schemaRef ds:uri="http://purl.org/dc/dcmitype/"/>
-  </ds:schemaRefs>
-</ds:datastoreItem>
+<file path=customXml/item2.xml><?xml version="1.0" encoding="utf-8"?>
+<?mso-contentType ?>
+<FormTemplates xmlns="http://schemas.microsoft.com/sharepoint/v3/contenttype/forms">
+  <Display>DocumentLibraryForm</Display>
+  <Edit>AssetEditForm</Edit>
+  <New>DocumentLibraryForm</New>
+</FormTemplates>
 </file>
 
-<file path=customXml/itemProps2.xml><?xml version="1.0" encoding="utf-8"?>
-<ds:datastoreItem xmlns:ds="http://schemas.openxmlformats.org/officeDocument/2006/customXml" ds:itemID="{561E720F-F05D-4536-9C34-0CFCED65D3B7}">
-  <ds:schemaRefs>
-    <ds:schemaRef ds:uri="http://schemas.microsoft.com/sharepoint/v3/contenttype/forms"/>
-  </ds:schemaRefs>
-</ds:datastoreItem>
+<file path=customXml/item3.xml><?xml version="1.0" encoding="utf-8"?>
+<p:properties xmlns:p="http://schemas.microsoft.com/office/2006/metadata/properties" xmlns:xsi="http://www.w3.org/2001/XMLSchema-instance" xmlns:pc="http://schemas.microsoft.com/office/infopath/2007/PartnerControls">
+  <documentManagement>
+    <APDescription xmlns="4873beb7-5857-4685-be1f-d57550cc96cc" xsi:nil="true"/>
+    <AssetExpire xmlns="4873beb7-5857-4685-be1f-d57550cc96cc">2029-01-01T08:00:00+00:00</AssetExpire>
+    <CampaignTagsTaxHTField0 xmlns="4873beb7-5857-4685-be1f-d57550cc96cc">
+      <Terms xmlns="http://schemas.microsoft.com/office/infopath/2007/PartnerControls"/>
+    </CampaignTagsTaxHTField0>
+    <IntlLangReviewDate xmlns="4873beb7-5857-4685-be1f-d57550cc96cc" xsi:nil="true"/>
+    <TPFriendlyName xmlns="4873beb7-5857-4685-be1f-d57550cc96cc" xsi:nil="true"/>
+    <IntlLangReview xmlns="4873beb7-5857-4685-be1f-d57550cc96cc">false</IntlLangReview>
+    <LocLastLocAttemptVersionLookup xmlns="4873beb7-5857-4685-be1f-d57550cc96cc">855024</LocLastLocAttemptVersionLookup>
+    <PolicheckWords xmlns="4873beb7-5857-4685-be1f-d57550cc96cc" xsi:nil="true"/>
+    <SubmitterId xmlns="4873beb7-5857-4685-be1f-d57550cc96cc" xsi:nil="true"/>
+    <AcquiredFrom xmlns="4873beb7-5857-4685-be1f-d57550cc96cc">Internal MS</AcquiredFrom>
+    <EditorialStatus xmlns="4873beb7-5857-4685-be1f-d57550cc96cc">Complete</EditorialStatus>
+    <Markets xmlns="4873beb7-5857-4685-be1f-d57550cc96cc"/>
+    <OriginAsset xmlns="4873beb7-5857-4685-be1f-d57550cc96cc" xsi:nil="true"/>
+    <AssetStart xmlns="4873beb7-5857-4685-be1f-d57550cc96cc">2012-08-31T08:50:00+00:00</AssetStart>
+    <FriendlyTitle xmlns="4873beb7-5857-4685-be1f-d57550cc96cc" xsi:nil="true"/>
+    <MarketSpecific xmlns="4873beb7-5857-4685-be1f-d57550cc96cc">false</MarketSpecific>
+    <TPNamespace xmlns="4873beb7-5857-4685-be1f-d57550cc96cc" xsi:nil="true"/>
+    <PublishStatusLookup xmlns="4873beb7-5857-4685-be1f-d57550cc96cc">
+      <Value>1616423</Value>
+    </PublishStatusLookup>
+    <APAuthor xmlns="4873beb7-5857-4685-be1f-d57550cc96cc">
+      <UserInfo>
+        <DisplayName>REDMOND\kristaa</DisplayName>
+        <AccountId>136</AccountId>
+        <AccountType/>
+      </UserInfo>
+    </APAuthor>
+    <TPCommandLine xmlns="4873beb7-5857-4685-be1f-d57550cc96cc" xsi:nil="true"/>
+    <IntlLangReviewer xmlns="4873beb7-5857-4685-be1f-d57550cc96cc" xsi:nil="true"/>
+    <OpenTemplate xmlns="4873beb7-5857-4685-be1f-d57550cc96cc">true</OpenTemplate>
+    <CSXSubmissionDate xmlns="4873beb7-5857-4685-be1f-d57550cc96cc" xsi:nil="true"/>
+    <TaxCatchAll xmlns="4873beb7-5857-4685-be1f-d57550cc96cc"/>
+    <Manager xmlns="4873beb7-5857-4685-be1f-d57550cc96cc" xsi:nil="true"/>
+    <NumericId xmlns="4873beb7-5857-4685-be1f-d57550cc96cc" xsi:nil="true"/>
+    <ParentAssetId xmlns="4873beb7-5857-4685-be1f-d57550cc96cc" xsi:nil="true"/>
+    <OriginalSourceMarket xmlns="4873beb7-5857-4685-be1f-d57550cc96cc" xsi:nil="true"/>
+    <ApprovalStatus xmlns="4873beb7-5857-4685-be1f-d57550cc96cc">InProgress</ApprovalStatus>
+    <TPComponent xmlns="4873beb7-5857-4685-be1f-d57550cc96cc" xsi:nil="true"/>
+    <EditorialTags xmlns="4873beb7-5857-4685-be1f-d57550cc96cc" xsi:nil="true"/>
+    <TPExecutable xmlns="4873beb7-5857-4685-be1f-d57550cc96cc" xsi:nil="true"/>
+    <TPLaunchHelpLink xmlns="4873beb7-5857-4685-be1f-d57550cc96cc" xsi:nil="true"/>
+    <LocComments xmlns="4873beb7-5857-4685-be1f-d57550cc96cc" xsi:nil="true"/>
+    <LocRecommendedHandoff xmlns="4873beb7-5857-4685-be1f-d57550cc96cc" xsi:nil="true"/>
+    <SourceTitle xmlns="4873beb7-5857-4685-be1f-d57550cc96cc" xsi:nil="true"/>
+    <CSXUpdate xmlns="4873beb7-5857-4685-be1f-d57550cc96cc">false</CSXUpdate>
+    <IntlLocPriority xmlns="4873beb7-5857-4685-be1f-d57550cc96cc" xsi:nil="true"/>
+    <UAProjectedTotalWords xmlns="4873beb7-5857-4685-be1f-d57550cc96cc" xsi:nil="true"/>
+    <AssetType xmlns="4873beb7-5857-4685-be1f-d57550cc96cc">TP</AssetType>
+    <MachineTranslated xmlns="4873beb7-5857-4685-be1f-d57550cc96cc">false</MachineTranslated>
+    <OutputCachingOn xmlns="4873beb7-5857-4685-be1f-d57550cc96cc">false</OutputCachingOn>
+    <TemplateStatus xmlns="4873beb7-5857-4685-be1f-d57550cc96cc">Complete</TemplateStatus>
+    <IsSearchable xmlns="4873beb7-5857-4685-be1f-d57550cc96cc">true</IsSearchable>
+    <ContentItem xmlns="4873beb7-5857-4685-be1f-d57550cc96cc" xsi:nil="true"/>
+    <HandoffToMSDN xmlns="4873beb7-5857-4685-be1f-d57550cc96cc" xsi:nil="true"/>
+    <ShowIn xmlns="4873beb7-5857-4685-be1f-d57550cc96cc">Show everywhere</ShowIn>
+    <ThumbnailAssetId xmlns="4873beb7-5857-4685-be1f-d57550cc96cc" xsi:nil="true"/>
+    <UALocComments xmlns="4873beb7-5857-4685-be1f-d57550cc96cc" xsi:nil="true"/>
+    <UALocRecommendation xmlns="4873beb7-5857-4685-be1f-d57550cc96cc">Localize</UALocRecommendation>
+    <LastModifiedDateTime xmlns="4873beb7-5857-4685-be1f-d57550cc96cc" xsi:nil="true"/>
+    <LegacyData xmlns="4873beb7-5857-4685-be1f-d57550cc96cc" xsi:nil="true"/>
+    <LocManualTestRequired xmlns="4873beb7-5857-4685-be1f-d57550cc96cc">false</LocManualTestRequired>
+    <LocMarketGroupTiers2 xmlns="4873beb7-5857-4685-be1f-d57550cc96cc" xsi:nil="true"/>
+    <ClipArtFilename xmlns="4873beb7-5857-4685-be1f-d57550cc96cc" xsi:nil="true"/>
+    <TPApplication xmlns="4873beb7-5857-4685-be1f-d57550cc96cc" xsi:nil="true"/>
+    <CSXHash xmlns="4873beb7-5857-4685-be1f-d57550cc96cc" xsi:nil="true"/>
+    <DirectSourceMarket xmlns="4873beb7-5857-4685-be1f-d57550cc96cc" xsi:nil="true"/>
+    <PrimaryImageGen xmlns="4873beb7-5857-4685-be1f-d57550cc96cc">true</PrimaryImageGen>
+    <PlannedPubDate xmlns="4873beb7-5857-4685-be1f-d57550cc96cc" xsi:nil="true"/>
+    <CSXSubmissionMarket xmlns="4873beb7-5857-4685-be1f-d57550cc96cc" xsi:nil="true"/>
+    <Downloads xmlns="4873beb7-5857-4685-be1f-d57550cc96cc">0</Downloads>
+    <ArtSampleDocs xmlns="4873beb7-5857-4685-be1f-d57550cc96cc" xsi:nil="true"/>
+    <TrustLevel xmlns="4873beb7-5857-4685-be1f-d57550cc96cc">1 Microsoft Managed Content</TrustLevel>
+    <BlockPublish xmlns="4873beb7-5857-4685-be1f-d57550cc96cc">false</BlockPublish>
+    <TPLaunchHelpLinkType xmlns="4873beb7-5857-4685-be1f-d57550cc96cc">Template</TPLaunchHelpLinkType>
+    <LocalizationTagsTaxHTField0 xmlns="4873beb7-5857-4685-be1f-d57550cc96cc">
+      <Terms xmlns="http://schemas.microsoft.com/office/infopath/2007/PartnerControls"/>
+    </LocalizationTagsTaxHTField0>
+    <BusinessGroup xmlns="4873beb7-5857-4685-be1f-d57550cc96cc" xsi:nil="true"/>
+    <Providers xmlns="4873beb7-5857-4685-be1f-d57550cc96cc" xsi:nil="true"/>
+    <TemplateTemplateType xmlns="4873beb7-5857-4685-be1f-d57550cc96cc">PowerPoint Presentation Template</TemplateTemplateType>
+    <TimesCloned xmlns="4873beb7-5857-4685-be1f-d57550cc96cc" xsi:nil="true"/>
+    <TPAppVersion xmlns="4873beb7-5857-4685-be1f-d57550cc96cc" xsi:nil="true"/>
+    <VoteCount xmlns="4873beb7-5857-4685-be1f-d57550cc96cc" xsi:nil="true"/>
+    <AverageRating xmlns="4873beb7-5857-4685-be1f-d57550cc96cc" xsi:nil="true"/>
+    <FeatureTagsTaxHTField0 xmlns="4873beb7-5857-4685-be1f-d57550cc96cc">
+      <Terms xmlns="http://schemas.microsoft.com/office/infopath/2007/PartnerControls"/>
+    </FeatureTagsTaxHTField0>
+    <Provider xmlns="4873beb7-5857-4685-be1f-d57550cc96cc" xsi:nil="true"/>
+    <UACurrentWords xmlns="4873beb7-5857-4685-be1f-d57550cc96cc" xsi:nil="true"/>
+    <AssetId xmlns="4873beb7-5857-4685-be1f-d57550cc96cc">TP103431361</AssetId>
+    <TPClientViewer xmlns="4873beb7-5857-4685-be1f-d57550cc96cc" xsi:nil="true"/>
+    <DSATActionTaken xmlns="4873beb7-5857-4685-be1f-d57550cc96cc" xsi:nil="true"/>
+    <APEditor xmlns="4873beb7-5857-4685-be1f-d57550cc96cc">
+      <UserInfo>
+        <DisplayName/>
+        <AccountId xsi:nil="true"/>
+        <AccountType/>
+      </UserInfo>
+    </APEditor>
+    <TPInstallLocation xmlns="4873beb7-5857-4685-be1f-d57550cc96cc" xsi:nil="true"/>
+    <OOCacheId xmlns="4873beb7-5857-4685-be1f-d57550cc96cc" xsi:nil="true"/>
+    <IsDeleted xmlns="4873beb7-5857-4685-be1f-d57550cc96cc">false</IsDeleted>
+    <PublishTargets xmlns="4873beb7-5857-4685-be1f-d57550cc96cc">OfficeOnlineVNext</PublishTargets>
+    <ApprovalLog xmlns="4873beb7-5857-4685-be1f-d57550cc96cc" xsi:nil="true"/>
+    <BugNumber xmlns="4873beb7-5857-4685-be1f-d57550cc96cc" xsi:nil="true"/>
+    <CrawlForDependencies xmlns="4873beb7-5857-4685-be1f-d57550cc96cc">false</CrawlForDependencies>
+    <InternalTagsTaxHTField0 xmlns="4873beb7-5857-4685-be1f-d57550cc96cc">
+      <Terms xmlns="http://schemas.microsoft.com/office/infopath/2007/PartnerControls"/>
+    </InternalTagsTaxHTField0>
+    <LastHandOff xmlns="4873beb7-5857-4685-be1f-d57550cc96cc" xsi:nil="true"/>
+    <Milestone xmlns="4873beb7-5857-4685-be1f-d57550cc96cc" xsi:nil="true"/>
+    <OriginalRelease xmlns="4873beb7-5857-4685-be1f-d57550cc96cc">15</OriginalRelease>
+    <RecommendationsModifier xmlns="4873beb7-5857-4685-be1f-d57550cc96cc" xsi:nil="true"/>
+    <ScenarioTagsTaxHTField0 xmlns="4873beb7-5857-4685-be1f-d57550cc96cc">
+      <Terms xmlns="http://schemas.microsoft.com/office/infopath/2007/PartnerControls"/>
+    </ScenarioTagsTaxHTField0>
+    <UANotes xmlns="4873beb7-5857-4685-be1f-d57550cc96cc" xsi:nil="true"/>
+  </documentManagement>
+</p:properties>
 </file>
 
-<file path=customXml/itemProps3.xml><?xml version="1.0" encoding="utf-8"?>
+<file path=customXml/itemProps1.xml><?xml version="1.0" encoding="utf-8"?>
 <ds:datastoreItem xmlns:ds="http://schemas.openxmlformats.org/officeDocument/2006/customXml" ds:itemID="{28C8B9CA-0273-4370-889A-FC05DA5C2FA5}">
   <ds:schemaRefs>
     <ds:schemaRef ds:uri="http://schemas.microsoft.com/office/2006/metadata/contentType"/>
@@ -9615,4 +10008,28 @@
     <ds:schemaRef ds:uri="http://schemas.microsoft.com/internal/obd"/>
   </ds:schemaRefs>
 </ds:datastoreItem>
+</file>
+
+<file path=customXml/itemProps2.xml><?xml version="1.0" encoding="utf-8"?>
+<ds:datastoreItem xmlns:ds="http://schemas.openxmlformats.org/officeDocument/2006/customXml" ds:itemID="{561E720F-F05D-4536-9C34-0CFCED65D3B7}">
+  <ds:schemaRefs>
+    <ds:schemaRef ds:uri="http://schemas.microsoft.com/sharepoint/v3/contenttype/forms"/>
+  </ds:schemaRefs>
+</ds:datastoreItem>
+</file>
+
+<file path=customXml/itemProps3.xml><?xml version="1.0" encoding="utf-8"?>
+<ds:datastoreItem xmlns:ds="http://schemas.openxmlformats.org/officeDocument/2006/customXml" ds:itemID="{8CDDBB83-77C1-4099-A0AA-289882E745E2}">
+  <ds:schemaRefs>
+    <ds:schemaRef ds:uri="http://schemas.microsoft.com/office/2006/documentManagement/types"/>
+    <ds:schemaRef ds:uri="http://purl.org/dc/terms/"/>
+    <ds:schemaRef ds:uri="4873beb7-5857-4685-be1f-d57550cc96cc"/>
+    <ds:schemaRef ds:uri="http://schemas.openxmlformats.org/package/2006/metadata/core-properties"/>
+    <ds:schemaRef ds:uri="http://purl.org/dc/dcmitype/"/>
+    <ds:schemaRef ds:uri="http://www.w3.org/XML/1998/namespace"/>
+    <ds:schemaRef ds:uri="http://purl.org/dc/elements/1.1/"/>
+    <ds:schemaRef ds:uri="http://schemas.microsoft.com/office/2006/metadata/properties"/>
+    <ds:schemaRef ds:uri="http://schemas.microsoft.com/office/infopath/2007/PartnerControls"/>
+  </ds:schemaRefs>
+</ds:datastoreItem>
 </file>